--- a/presentations/20260120_lt/output/04_presentation_screenshot.pptx
+++ b/presentations/20260120_lt/output/04_presentation_screenshot.pptx
@@ -511,7 +511,9 @@
           <a:p>
             <a:r>
               <a:rPr lang="en-US" dirty="0"/>
-              <a:t/>
+              <a:t>こんにちは、井上です。
+今日は「競馬AIの歴史」というテーマでお話しします。
+サブタイトルにある通り、なぜ私が競馬AIをやめたのか、その理由もお伝えします。</a:t>
             </a:r>
             <a:endParaRPr lang="en-US" dirty="0"/>
           </a:p>
@@ -599,7 +601,12 @@
           <a:p>
             <a:r>
               <a:rPr lang="en-US" dirty="0"/>
-              <a:t/>
+              <a:t>期待値 = 確率 × オッズ。
+どちらも資金力があれば有利です。
+競馬AIの歴史は、データ格差→技術格差→資金力格差へと変遷しました。
+今から普通に参入しても勝てない。これが私の結論です。
+ギャンブルは無理のない範囲で楽しみましょう。
+ありがとうございました。</a:t>
             </a:r>
             <a:endParaRPr lang="en-US" dirty="0"/>
           </a:p>
@@ -687,7 +694,9 @@
           <a:p>
             <a:r>
               <a:rPr lang="en-US" dirty="0"/>
-              <a:t/>
+              <a:t>前回のLTの振り返りです。
+5万円から始めて、最高+150万円まで到達しましたが、結末は全損でした。
+敗因は2つ。今日は①の技術的要因、期待値が取れなくなった話を深掘りします。</a:t>
             </a:r>
             <a:endParaRPr lang="en-US" dirty="0"/>
           </a:p>
@@ -775,7 +784,12 @@
           <a:p>
             <a:r>
               <a:rPr lang="en-US" dirty="0"/>
-              <a:t/>
+              <a:t>競馬で勝つには期待値を取る必要があります。
+期待値は「確率×オッズ」です。
+確率は機械学習で算出します。オッズは全員の投票で決まります。
+AIが勝率15%と計算して、オッズ10倍なら、15%×10倍=150%。
+期待値が1を超えれば、理論上勝てます。
+ではオッズはどう決まるのか。</a:t>
             </a:r>
             <a:endParaRPr lang="en-US" dirty="0"/>
           </a:p>
@@ -863,7 +877,11 @@
           <a:p>
             <a:r>
               <a:rPr lang="en-US" dirty="0"/>
-              <a:t/>
+              <a:t>日本の競馬は「パリミュチュエル方式」を採用しています。
+投票総額から控除率約20%を引いて、当たった人で山分けする仕組みです。
+重要なのは、オッズが締切時点の投票結果で決まること。
+計算時点と締切時点でズレると、期待値の計算が狂います。
+この構造を踏まえて、競馬AIの歴史を見ていきます。</a:t>
             </a:r>
             <a:endParaRPr lang="en-US" dirty="0"/>
           </a:p>
@@ -951,7 +969,11 @@
           <a:p>
             <a:r>
               <a:rPr lang="en-US" dirty="0"/>
-              <a:t/>
+              <a:t>1995年、「馬王」が登場しました。統計的競馬予測の先駆けです。
+この時代のキーワードは「データ格差」。
+データが高価で、持っている人だけが勝てました。
+参入者も少なく、オッズ変動も小さかった。
+しかし2018年、状況が一変します。</a:t>
             </a:r>
             <a:endParaRPr lang="en-US" dirty="0"/>
           </a:p>
@@ -1039,7 +1061,11 @@
           <a:p>
             <a:r>
               <a:rPr lang="en-US" dirty="0"/>
-              <a:t/>
+              <a:t>ドワンゴのエンジニアチームがAI Mambaを開発しました。
+ニコ生企画で3ヶ月運用し、+730万円の成果を出しました。
+これがメディアで話題になり、「AIで競馬に勝てる」という夢が広まります。
+ここから派生プロジェクトが次々と生まれました。
+その代表格が松風です。</a:t>
             </a:r>
             <a:endParaRPr lang="en-US" dirty="0"/>
           </a:p>
@@ -1127,7 +1153,11 @@
           <a:p>
             <a:r>
               <a:rPr lang="en-US" dirty="0"/>
-              <a:t/>
+              <a:t>松風は毎レース締切直前に買い目を無料公開していました。
+2019年+1,739万円、2020年+2億円。
+3ヶ月で購入17.5億円、払戻20.8億円、収支+3.3億円という規模です。
+2020年8月に公開終了。先行者利益で札束勢になった象徴的存在です。
+一方、公開を続けたサービスはどうなったか。</a:t>
             </a:r>
             <a:endParaRPr lang="en-US" dirty="0"/>
           </a:p>
@@ -1215,7 +1245,11 @@
           <a:p>
             <a:r>
               <a:rPr lang="en-US" dirty="0"/>
-              <a:t/>
+              <a:t>競馬AIゆまは勝率を無料公開するサービスでした。
+通算57,000レースで回収率約111%、5000万PV、5万フォロワー。
+しかし2022年8月にサービス終了。
+理由は「利用者増加によるオッズ低下」。
+公開すること自体が自滅につながる。これが現実です。</a:t>
             </a:r>
             <a:endParaRPr lang="en-US" dirty="0"/>
           </a:p>
@@ -1303,7 +1337,11 @@
           <a:p>
             <a:r>
               <a:rPr lang="en-US" dirty="0"/>
-              <a:t/>
+              <a:t>競馬AIの参入者が増えると、みんな似たような特徴量で分析するので、買い目が似通います。
+同じ馬に賭けが集中してオッズが下がり、期待値が取れなくなる。
+さらに、計算時点と締切時点でオッズがズレる問題もあります。
+資金力があれば、高精度モデルの開発も、オッズ変動の予測も可能です。
+札束勢は有利、後発組は不利という構造ができてしまいました。</a:t>
             </a:r>
             <a:endParaRPr lang="en-US" dirty="0"/>
           </a:p>

--- a/presentations/20260120_lt/output/04_presentation_screenshot.pptx
+++ b/presentations/20260120_lt/output/04_presentation_screenshot.pptx
@@ -513,7 +513,8 @@
               <a:rPr lang="en-US" dirty="0"/>
               <a:t>こんにちは、井上です。
 今日は「競馬AIの歴史」というテーマでお話しします。
-サブタイトルにある通り、なぜ私が競馬AIをやめたのか、その理由もお伝えします。</a:t>
+サブタイトルにある通り、なぜ私が競馬AIをやめたのか、その理由もお伝えします。
+結論を先に言うと、「今から参入しても勝てない構造になっている」という話です。</a:t>
             </a:r>
             <a:endParaRPr lang="en-US" dirty="0"/>
           </a:p>
@@ -601,11 +602,15 @@
           <a:p>
             <a:r>
               <a:rPr lang="en-US" dirty="0"/>
-              <a:t>期待値 = 確率 × オッズ。
-どちらも資金力があれば有利です。
-競馬AIの歴史は、データ格差→技術格差→資金力格差へと変遷しました。
-今から普通に参入しても勝てない。これが私の結論です。
-ギャンブルは無理のない範囲で楽しみましょう。
+              <a:t>期待値 = 確率 × オッズ。この式が全てです。
+確率を上げるには、高精度なモデルが必要。資金力があれば有利。
+オッズを読むには、市場の動きを予測する必要がある。これも資金力があれば有利。
+競馬AIの歴史は、格差の変遷でした。
+最初はデータ格差。データを持っている人が勝てた。
+次に技術格差。機械学習ができる人が勝てた。
+今は資金力格差。札束で殴れる人が勝てる。
+私の結論は、今から普通に参入しても勝てない、です。
+最後に一言。ギャンブルは無理のない範囲で楽しみましょう。
 ありがとうございました。</a:t>
             </a:r>
             <a:endParaRPr lang="en-US" dirty="0"/>
@@ -695,8 +700,11 @@
             <a:r>
               <a:rPr lang="en-US" dirty="0"/>
               <a:t>前回のLTの振り返りです。
-5万円から始めて、最高+150万円まで到達しましたが、結末は全損でした。
-敗因は2つ。今日は①の技術的要因、期待値が取れなくなった話を深掘りします。</a:t>
+5万円から始めて、最高+150万円まで到達しましたが、結末は溶けました。
+敗因は2つあります。
+①は期待値が取れなくなったという技術的要因。オッズ変動や競合増加の影響です。
+②は人間の愚かさ。調子に乗って裁量で賭けたり、感情でブレたり。
+今日は①の技術的要因を深掘りします。なぜ期待値が取れなくなったのか、その構造を説明します。</a:t>
             </a:r>
             <a:endParaRPr lang="en-US" dirty="0"/>
           </a:p>
@@ -784,12 +792,16 @@
           <a:p>
             <a:r>
               <a:rPr lang="en-US" dirty="0"/>
-              <a:t>競馬で勝つには期待値を取る必要があります。
-期待値は「確率×オッズ」です。
-確率は機械学習で算出します。オッズは全員の投票で決まります。
-AIが勝率15%と計算して、オッズ10倍なら、15%×10倍=150%。
-期待値が1を超えれば、理論上勝てます。
-ではオッズはどう決まるのか。</a:t>
+              <a:t>競馬で継続的に勝つには期待値を取る必要があります。
+期待値は「確率×オッズ」で計算します。
+確率は機械学習で算出します。過去のレースデータから、各馬の勝率を予測するわけです。
+オッズは市場が決めます。みんなの投票結果で決まる。
+具体例を挙げます。AIが「この馬の勝率は15%」と計算したとします。
+オッズが10倍なら、15% × 10倍 = 150%。期待値1.5です。
+これを繰り返せば、理論上は50%の利益が出ます。
+ポイントは、確率とオッズの両方が重要だということ。
+どちらか片方だけ優れていても勝てません。
+ではオッズはどう決まるのか、次のスライドで説明します。</a:t>
             </a:r>
             <a:endParaRPr lang="en-US" dirty="0"/>
           </a:p>
@@ -878,10 +890,15 @@
             <a:r>
               <a:rPr lang="en-US" dirty="0"/>
               <a:t>日本の競馬は「パリミュチュエル方式」を採用しています。
-投票総額から控除率約20%を引いて、当たった人で山分けする仕組みです。
-重要なのは、オッズが締切時点の投票結果で決まること。
-計算時点と締切時点でズレると、期待値の計算が狂います。
-この構造を踏まえて、競馬AIの歴史を見ていきます。</a:t>
+海外のブックメーカーとは違って、オッズが固定されていません。
+仕組みはこうです。
+まず投票総額を集めます。そこからJRAが控除率として約20%を引きます。
+残りの80%を、当たった人で山分けする。だからオッズは投票締切時点まで確定しない。
+ここが重要なんですが、私たちがAIで計算するのは締切前のオッズです。
+でも実際に払い戻されるのは締切時点のオッズ。
+このズレが大きいと、期待値の計算が狂います。
+「計算時は期待値1.5だったのに、締切時には1.0を切っていた」ということが起きる。
+この構造を理解した上で、競馬AIの歴史を見ていきましょう。</a:t>
             </a:r>
             <a:endParaRPr lang="en-US" dirty="0"/>
           </a:p>
@@ -969,10 +986,14 @@
           <a:p>
             <a:r>
               <a:rPr lang="en-US" dirty="0"/>
-              <a:t>1995年、「馬王」が登場しました。統計的競馬予測の先駆けです。
-この時代のキーワードは「データ格差」。
-データが高価で、持っている人だけが勝てました。
-参入者も少なく、オッズ変動も小さかった。
+              <a:t>1995年、「馬王」というソフトが登場しました。
+統計的手法で競馬予測を行う先駆けです。
+この時代のキーワードは「データ格差」です。
+競馬データは高価でした。JRA-VANの契約料、過去データの購入費用、データベース構築のコスト。
+データを持っている人だけがまともな分析ができた。
+もう一つ重要なのは、参入者が少なかったこと。
+AIで賭ける人が少ないから、オッズへの影響も小さかった。
+先行者は静かに稼げる時代でした。
 しかし2018年、状況が一変します。</a:t>
             </a:r>
             <a:endParaRPr lang="en-US" dirty="0"/>
@@ -1061,11 +1082,15 @@
           <a:p>
             <a:r>
               <a:rPr lang="en-US" dirty="0"/>
-              <a:t>ドワンゴのエンジニアチームがAI Mambaを開発しました。
-ニコ生企画で3ヶ月運用し、+730万円の成果を出しました。
-これがメディアで話題になり、「AIで競馬に勝てる」という夢が広まります。
-ここから派生プロジェクトが次々と生まれました。
-その代表格が松風です。</a:t>
+              <a:t>2018年、ドワンゴのエンジニアチームがAI Mambaを開発しました。
+ニコニコ生放送の企画として、実際に馬券を買って運用したんです。
+結果は3ヶ月で+730万円。回収率120%以上。
+これがメディアで大きく取り上げられました。
+「AIで競馬に勝てる」という夢が、一気に広まったんです。
+技術的にも、ディープラーニングや特徴量エンジニアリングの手法が公開されました。
+ここから派生プロジェクトが次々と生まれます。
+Kaggleのコンペ、個人開発者の参入、noteでの解説記事の増加。
+その代表格が、次に紹介する松風です。</a:t>
             </a:r>
             <a:endParaRPr lang="en-US" dirty="0"/>
           </a:p>
@@ -1153,11 +1178,15 @@
           <a:p>
             <a:r>
               <a:rPr lang="en-US" dirty="0"/>
-              <a:t>松風は毎レース締切直前に買い目を無料公開していました。
-2019年+1,739万円、2020年+2億円。
-3ヶ月で購入17.5億円、払戻20.8億円、収支+3.3億円という規模です。
-2020年8月に公開終了。先行者利益で札束勢になった象徴的存在です。
-一方、公開を続けたサービスはどうなったか。</a:t>
+              <a:t>松風は、毎レース締切直前に買い目を無料公開するサービスでした。
+誰でもその通りに買えば、同じ成績が出るという透明性。
+実績がすごい。
+2019年は+1,739万円。2020年は+2億円。
+3ヶ月だけ切り取っても、購入額17.5億円、払戻20.8億円、収支+3.3億円。
+ただし、2020年8月に公開を終了しました。
+理由は明言されていませんが、おそらく「公開すると自分の期待値が下がる」と判断したのでしょう。
+松風は先行者利益を十分に得て、札束勢になった象徴的存在です。
+では、公開を続けたサービスはどうなったのか。</a:t>
             </a:r>
             <a:endParaRPr lang="en-US" dirty="0"/>
           </a:p>
@@ -1245,11 +1274,14 @@
           <a:p>
             <a:r>
               <a:rPr lang="en-US" dirty="0"/>
-              <a:t>競馬AIゆまは勝率を無料公開するサービスでした。
-通算57,000レースで回収率約111%、5000万PV、5万フォロワー。
-しかし2022年8月にサービス終了。
+              <a:t>競馬AIゆまは、各馬の勝率を無料公開するサービスでした。
+買い目ではなく確率だけを公開するスタイル。
+実績は通算57,000レースで回収率約111%。
+5000万PV、5万フォロワーという人気サービスでした。
+しかし2022年8月、サービス終了を発表しました。
 理由は「利用者増加によるオッズ低下」。
-公開すること自体が自滅につながる。これが現実です。</a:t>
+つまり、自分の予測を公開したことで、同じ馬券を買う人が増え、オッズが下がり、期待値が取れなくなった。
+公開すること自体が自滅につながるという、皮肉な結末です。</a:t>
             </a:r>
             <a:endParaRPr lang="en-US" dirty="0"/>
           </a:p>
@@ -1337,10 +1369,17 @@
           <a:p>
             <a:r>
               <a:rPr lang="en-US" dirty="0"/>
-              <a:t>競馬AIの参入者が増えると、みんな似たような特徴量で分析するので、買い目が似通います。
-同じ馬に賭けが集中してオッズが下がり、期待値が取れなくなる。
-さらに、計算時点と締切時点でオッズがズレる問題もあります。
-資金力があれば、高精度モデルの開発も、オッズ変動の予測も可能です。
+              <a:t>ここまでの歴史を踏まえて、なぜ今から参入しても勝てないのか説明します。
+まず、競馬AIの参入者が爆発的に増えました。
+問題は、みんな似たような特徴量で分析すること。
+過去の着順、タイム、血統、騎手、馬場状態...使うデータは大体同じです。
+結果、買い目が似通ってくる。同じ馬にベットが集中してオッズが急落する。
+次に、計算時点と締切時点のオッズのズレ。
+10分前に計算した期待値が、締切時には全く違う数字になっている。
+これを予測するには、他の参加者の行動をモデル化する必要があります。
+資金力があれば、この両方に対応できます。
+高精度なモデル開発のためのGPUクラスタ、データサイエンティストの雇用。
+そして大量の資金を使ったオッズ変動の予測。
 札束勢は有利、後発組は不利という構造ができてしまいました。</a:t>
             </a:r>
             <a:endParaRPr lang="en-US" dirty="0"/>

--- a/presentations/20260120_lt/output/04_presentation_screenshot.pptx
+++ b/presentations/20260120_lt/output/04_presentation_screenshot.pptx
@@ -604,7 +604,7 @@
               <a:rPr lang="en-US" dirty="0"/>
               <a:t>期待値 = 確率 × オッズ。この式が全てです。
 確率を上げるには、高精度なモデルが必要。資金力があれば有利。
-オッズを読むには、市場の動きを予測する必要がある。これも資金力があれば有利。
+オッズについては、資金力があれば自らの投票でオッズを動かせる。予測ではなく、操作する側に回れるんです。
 競馬AIの歴史は、格差の変遷でした。
 最初はデータ格差。データを持っている人が勝てた。
 次に技術格差。機械学習ができる人が勝てた。
@@ -1379,7 +1379,7 @@
 これを予測するには、他の参加者の行動をモデル化する必要があります。
 資金力があれば、この両方に対応できます。
 高精度なモデル開発のためのGPUクラスタ、データサイエンティストの雇用。
-そして大量の資金を使ったオッズ変動の予測。
+そして大口投票で自らオッズを動かす側になれる。締切直前に大量に賭けて、他の参加者の期待値計算を狂わせることもできます。
 札束勢は有利、後発組は不利という構造ができてしまいました。</a:t>
             </a:r>
             <a:endParaRPr lang="en-US" dirty="0"/>

--- a/presentations/20260120_lt/output/04_presentation_screenshot.pptx
+++ b/presentations/20260120_lt/output/04_presentation_screenshot.pptx
@@ -992,7 +992,7 @@
 競馬データは高価でした。JRA-VANの契約料、過去データの購入費用、データベース構築のコスト。
 データを持っている人だけがまともな分析ができた。
 もう一つ重要なのは、参入者が少なかったこと。
-AIで賭ける人が少ないから、オッズへの影響も小さかった。
+データ分析で賭ける人が少ないから、オッズへの影響も小さかった。
 先行者は静かに稼げる時代でした。
 しかし2018年、状況が一変します。</a:t>
             </a:r>
@@ -1178,15 +1178,14 @@
           <a:p>
             <a:r>
               <a:rPr lang="en-US" dirty="0"/>
-              <a:t>松風は、毎レース締切直前に買い目を無料公開するサービスでした。
-誰でもその通りに買えば、同じ成績が出るという透明性。
+              <a:t>松風は、ドワンゴチームのメンバーだった個人開発者が開発している競馬AIです。毎レース締切直前に買い目を無料公開するサービスでした。
 実績がすごい。
-2019年は+1,739万円。2020年は+2億円。
+2019年は+1,739万円。2020年は+4億円超。
 3ヶ月だけ切り取っても、購入額17.5億円、払戻20.8億円、収支+3.3億円。
 ただし、2020年8月に公開を終了しました。
-理由は明言されていませんが、おそらく「公開すると自分の期待値が下がる」と判断したのでしょう。
+「公開すると自分の期待値が下がる」と判断したのでしょう。
 松風は先行者利益を十分に得て、札束勢になった象徴的存在です。
-では、公開を続けたサービスはどうなったのか。</a:t>
+もう一人の巨人、競馬AIゆまを紹介します。</a:t>
             </a:r>
             <a:endParaRPr lang="en-US" dirty="0"/>
           </a:p>
@@ -1276,12 +1275,12 @@
               <a:rPr lang="en-US" dirty="0"/>
               <a:t>競馬AIゆまは、各馬の勝率を無料公開するサービスでした。
 買い目ではなく確率だけを公開するスタイル。
-実績は通算57,000レースで回収率約111%。
+実績の金額は公開されていませんが、地方競馬合わせて通算57,000レースで回収率約111%。これは本当に驚異的な実績です。数億レベルの儲けでは済まないと思います。
 5000万PV、5万フォロワーという人気サービスでした。
 しかし2022年8月、サービス終了を発表しました。
 理由は「利用者増加によるオッズ低下」。
 つまり、自分の予測を公開したことで、同じ馬券を買う人が増え、オッズが下がり、期待値が取れなくなった。
-公開すること自体が自滅につながるという、皮肉な結末です。</a:t>
+公開すること自体が自滅につながる結末です。</a:t>
             </a:r>
             <a:endParaRPr lang="en-US" dirty="0"/>
           </a:p>
@@ -1370,17 +1369,18 @@
             <a:r>
               <a:rPr lang="en-US" dirty="0"/>
               <a:t>ここまでの歴史を踏まえて、なぜ今から参入しても勝てないのか説明します。
-まず、競馬AIの参入者が爆発的に増えました。
-問題は、みんな似たような特徴量で分析すること。
-過去の着順、タイム、血統、騎手、馬場状態...使うデータは大体同じです。
-結果、買い目が似通ってくる。同じ馬にベットが集中してオッズが急落する。
-次に、計算時点と締切時点のオッズのズレ。
+問題の本質は、競馬AIの参入者が爆発的に増えたことです。
+みんな似たような特徴量で分析する。過去の着順、タイム、血統、騎手、馬場状態...使うデータは大体同じ。
+結果、AIが「期待値が高い」と判断する馬が被り、同じ馬にベットが集中してオッズが急落します。
+これが厄介なのは、計算時点と締切時点でオッズがズレること。
 10分前に計算した期待値が、締切時には全く違う数字になっている。
-これを予測するには、他の参加者の行動をモデル化する必要があります。
-資金力があれば、この両方に対応できます。
+予測するには、他の参加者の行動までモデル化する必要がある。でも、それは現実的に難しい。
+じゃあどうすればいいか。資金力があれば、この状況を逆手に取れます。
 高精度なモデル開発のためのGPUクラスタ、データサイエンティストの雇用。
 そして大口投票で自らオッズを動かす側になれる。締切直前に大量に賭けて、他の参加者の期待値計算を狂わせることもできます。
-札束勢は有利、後発組は不利という構造ができてしまいました。</a:t>
+札束勢は有利、後発組は不利。この構造ができてしまいました。
+結論として、今から普通に参入しても、オッズを動かす資金力がなければ期待値が取れません。
+これが私が競馬AIをやめた理由です。</a:t>
             </a:r>
             <a:endParaRPr lang="en-US" dirty="0"/>
           </a:p>

--- a/presentations/20260120_lt/output/04_presentation_screenshot.pptx
+++ b/presentations/20260120_lt/output/04_presentation_screenshot.pptx
@@ -514,7 +514,7 @@
               <a:t>こんにちは、井上です。
 今日は「競馬AIの歴史」というテーマでお話しします。
 サブタイトルにある通り、なぜ私が競馬AIをやめたのか、その理由もお伝えします。
-結論を先に言うと、「今から参入しても勝てない構造になっている」という話です。</a:t>
+結論を先に言うと、「もう勝てない構造になっている」という話です。</a:t>
             </a:r>
             <a:endParaRPr lang="en-US" dirty="0"/>
           </a:p>
@@ -702,9 +702,9 @@
               <a:t>前回のLTの振り返りです。
 5万円から始めて、最高+150万円まで到達しましたが、結末は溶けました。
 敗因は2つあります。
-①は期待値が取れなくなったという技術的要因。オッズ変動や競合増加の影響です。
+①は期待値が取れなくなったという環境要因。オッズ変動や競合増加の影響です。
 ②は人間の愚かさ。調子に乗って裁量で賭けたり、感情でブレたり。
-今日は①の技術的要因を深掘りします。なぜ期待値が取れなくなったのか、その構造を説明します。</a:t>
+今日は①の環境要因を深掘りします。なぜ期待値が取れなくなったのか、その構造を説明します。</a:t>
             </a:r>
             <a:endParaRPr lang="en-US" dirty="0"/>
           </a:p>
@@ -794,13 +794,13 @@
               <a:rPr lang="en-US" dirty="0"/>
               <a:t>競馬で継続的に勝つには期待値を取る必要があります。
 期待値は「確率×オッズ」で計算します。
-確率は機械学習で算出します。過去のレースデータから、各馬の勝率を予測するわけです。
-オッズは市場が決めます。みんなの投票結果で決まる。
+確率は機械学習などで算出します。過去のレースデータから、各馬の勝率を予測するわけです。
+オッズは市場が決めます。みんなの投票結果で決まります。
 具体例を挙げます。AIが「この馬の勝率は15%」と計算したとします。
 オッズが10倍なら、15% × 10倍 = 150%。期待値1.5です。
 これを繰り返せば、理論上は50%の利益が出ます。
 ポイントは、確率とオッズの両方が重要だということ。
-どちらか片方だけ優れていても勝てません。
+どちらか一方でも不正確なら勝てません。
 ではオッズはどう決まるのか、次のスライドで説明します。</a:t>
             </a:r>
             <a:endParaRPr lang="en-US" dirty="0"/>
@@ -892,12 +892,12 @@
               <a:t>日本の競馬は「パリミュチュエル方式」を採用しています。
 海外のブックメーカーとは違って、オッズが固定されていません。
 仕組みはこうです。
-まず投票総額を集めます。そこからJRAが控除率として約20%を引きます。
+まず投票総額を集めます。そこからJRAが控除率として（単勝の場合は）約20%を引きます。
 残りの80%を、当たった人で山分けする。だからオッズは投票締切時点まで確定しない。
-ここが重要なんですが、私たちがAIで計算するのは締切前のオッズです。
+ここが重要なんですが、私たちが期待値を計算するのは締切前のオッズです。
 でも実際に払い戻されるのは締切時点のオッズ。
 このズレが大きいと、期待値の計算が狂います。
-「計算時は期待値1.5だったのに、締切時には1.0を切っていた」ということが起きる。
+「計算時は期待値あったのに締切時には1.0を切っていた」ということが起きる。
 この構造を理解した上で、競馬AIの歴史を見ていきましょう。</a:t>
             </a:r>
             <a:endParaRPr lang="en-US" dirty="0"/>
@@ -989,11 +989,9 @@
               <a:t>1995年、「馬王」というソフトが登場しました。
 統計的手法で競馬予測を行う先駆けです。
 この時代のキーワードは「データ格差」です。
-競馬データは高価でした。JRA-VANの契約料、過去データの購入費用、データベース構築のコスト。
+競馬データは希少でした。
 データを持っている人だけがまともな分析ができた。
-もう一つ重要なのは、参入者が少なかったこと。
-データ分析で賭ける人が少ないから、オッズへの影響も小さかった。
-先行者は静かに稼げる時代でした。
+そして参入者が少なかった。データ分析で賭ける人が少ないから、オッズへの影響も小さく、先行者は静かに稼げる時代でした。
 しかし2018年、状況が一変します。</a:t>
             </a:r>
             <a:endParaRPr lang="en-US" dirty="0"/>
@@ -1178,7 +1176,7 @@
           <a:p>
             <a:r>
               <a:rPr lang="en-US" dirty="0"/>
-              <a:t>松風は、ドワンゴチームのメンバーだった個人開発者が開発している競馬AIです。毎レース締切直前に買い目を無料公開するサービスでした。
+              <a:t>松風は、ドワンゴチームの開発者が個人で開発している競馬AIです。毎レース締切直前に買い目を無料公開するサービスでした。
 実績がすごい。
 2019年は+1,739万円。2020年は+4億円超。
 3ヶ月だけ切り取っても、購入額17.5億円、払戻20.8億円、収支+3.3億円。
